--- a/Documentation/Presentation/HobbyProject.pptx
+++ b/Documentation/Presentation/HobbyProject.pptx
@@ -10,19 +10,20 @@
     <p:sldId id="258" r:id="rId4"/>
     <p:sldId id="259" r:id="rId5"/>
     <p:sldId id="260" r:id="rId6"/>
-    <p:sldId id="261" r:id="rId7"/>
-    <p:sldId id="262" r:id="rId8"/>
-    <p:sldId id="272" r:id="rId9"/>
-    <p:sldId id="273" r:id="rId10"/>
-    <p:sldId id="263" r:id="rId11"/>
-    <p:sldId id="264" r:id="rId12"/>
-    <p:sldId id="265" r:id="rId13"/>
-    <p:sldId id="271" r:id="rId14"/>
-    <p:sldId id="266" r:id="rId15"/>
-    <p:sldId id="267" r:id="rId16"/>
-    <p:sldId id="268" r:id="rId17"/>
-    <p:sldId id="269" r:id="rId18"/>
-    <p:sldId id="270" r:id="rId19"/>
+    <p:sldId id="274" r:id="rId7"/>
+    <p:sldId id="261" r:id="rId8"/>
+    <p:sldId id="262" r:id="rId9"/>
+    <p:sldId id="272" r:id="rId10"/>
+    <p:sldId id="273" r:id="rId11"/>
+    <p:sldId id="263" r:id="rId12"/>
+    <p:sldId id="264" r:id="rId13"/>
+    <p:sldId id="265" r:id="rId14"/>
+    <p:sldId id="271" r:id="rId15"/>
+    <p:sldId id="266" r:id="rId16"/>
+    <p:sldId id="267" r:id="rId17"/>
+    <p:sldId id="268" r:id="rId18"/>
+    <p:sldId id="269" r:id="rId19"/>
+    <p:sldId id="270" r:id="rId20"/>
   </p:sldIdLst>
   <p:sldSz cx="12192000" cy="6858000"/>
   <p:notesSz cx="6858000" cy="9144000"/>
@@ -131,6 +132,7 @@
             <p14:sldId id="258"/>
             <p14:sldId id="259"/>
             <p14:sldId id="260"/>
+            <p14:sldId id="274"/>
             <p14:sldId id="261"/>
             <p14:sldId id="262"/>
             <p14:sldId id="272"/>
@@ -3943,6 +3945,204 @@
           <p:cNvPr id="2" name="Title 1">
             <a:extLst>
               <a:ext uri="{FF2B5EF4-FFF2-40B4-BE49-F238E27FC236}">
+                <a16:creationId xmlns:a16="http://schemas.microsoft.com/office/drawing/2014/main" id="{4F47DF7E-CB37-47E5-B683-EE5804BCFA17}"/>
+              </a:ext>
+            </a:extLst>
+          </p:cNvPr>
+          <p:cNvSpPr>
+            <a:spLocks noGrp="1"/>
+          </p:cNvSpPr>
+          <p:nvPr>
+            <p:ph type="title"/>
+          </p:nvPr>
+        </p:nvSpPr>
+        <p:spPr/>
+        <p:txBody>
+          <a:bodyPr/>
+          <a:lstStyle/>
+          <a:p>
+            <a:r>
+              <a:rPr lang="en-GB" dirty="0"/>
+              <a:t>Testing - Selenium</a:t>
+            </a:r>
+          </a:p>
+        </p:txBody>
+      </p:sp>
+      <p:pic>
+        <p:nvPicPr>
+          <p:cNvPr id="5" name="Content Placeholder 4">
+            <a:extLst>
+              <a:ext uri="{FF2B5EF4-FFF2-40B4-BE49-F238E27FC236}">
+                <a16:creationId xmlns:a16="http://schemas.microsoft.com/office/drawing/2014/main" id="{D458949F-40E6-435D-B1D7-F3116735A0A0}"/>
+              </a:ext>
+            </a:extLst>
+          </p:cNvPr>
+          <p:cNvPicPr>
+            <a:picLocks noGrp="1" noChangeAspect="1"/>
+          </p:cNvPicPr>
+          <p:nvPr>
+            <p:ph idx="1"/>
+          </p:nvPr>
+        </p:nvPicPr>
+        <p:blipFill>
+          <a:blip r:embed="rId2">
+            <a:extLst>
+              <a:ext uri="{28A0092B-C50C-407E-A947-70E740481C1C}">
+                <a14:useLocalDpi xmlns:a14="http://schemas.microsoft.com/office/drawing/2010/main" val="0"/>
+              </a:ext>
+            </a:extLst>
+          </a:blip>
+          <a:stretch>
+            <a:fillRect/>
+          </a:stretch>
+        </p:blipFill>
+        <p:spPr>
+          <a:xfrm>
+            <a:off x="1262025" y="1921764"/>
+            <a:ext cx="4325766" cy="4022725"/>
+          </a:xfrm>
+        </p:spPr>
+      </p:pic>
+      <p:sp>
+        <p:nvSpPr>
+          <p:cNvPr id="6" name="TextBox 5">
+            <a:extLst>
+              <a:ext uri="{FF2B5EF4-FFF2-40B4-BE49-F238E27FC236}">
+                <a16:creationId xmlns:a16="http://schemas.microsoft.com/office/drawing/2014/main" id="{35606E1E-8D88-4045-B54D-EB73951CFDE5}"/>
+              </a:ext>
+            </a:extLst>
+          </p:cNvPr>
+          <p:cNvSpPr txBox="1"/>
+          <p:nvPr/>
+        </p:nvSpPr>
+        <p:spPr>
+          <a:xfrm>
+            <a:off x="6753138" y="2390862"/>
+            <a:ext cx="3427541" cy="369332"/>
+          </a:xfrm>
+          <a:prstGeom prst="rect">
+            <a:avLst/>
+          </a:prstGeom>
+          <a:noFill/>
+        </p:spPr>
+        <p:txBody>
+          <a:bodyPr wrap="none" rtlCol="0">
+            <a:spAutoFit/>
+          </a:bodyPr>
+          <a:lstStyle/>
+          <a:p>
+            <a:r>
+              <a:rPr lang="en-GB" dirty="0"/>
+              <a:t>Finding the target of each element</a:t>
+            </a:r>
+          </a:p>
+        </p:txBody>
+      </p:sp>
+      <p:sp>
+        <p:nvSpPr>
+          <p:cNvPr id="7" name="TextBox 6">
+            <a:extLst>
+              <a:ext uri="{FF2B5EF4-FFF2-40B4-BE49-F238E27FC236}">
+                <a16:creationId xmlns:a16="http://schemas.microsoft.com/office/drawing/2014/main" id="{60E42188-00F0-442B-8601-3C3A65748F29}"/>
+              </a:ext>
+            </a:extLst>
+          </p:cNvPr>
+          <p:cNvSpPr txBox="1"/>
+          <p:nvPr/>
+        </p:nvSpPr>
+        <p:spPr>
+          <a:xfrm>
+            <a:off x="6753138" y="3632433"/>
+            <a:ext cx="4654608" cy="369332"/>
+          </a:xfrm>
+          <a:prstGeom prst="rect">
+            <a:avLst/>
+          </a:prstGeom>
+          <a:noFill/>
+        </p:spPr>
+        <p:txBody>
+          <a:bodyPr wrap="none" rtlCol="0">
+            <a:spAutoFit/>
+          </a:bodyPr>
+          <a:lstStyle/>
+          <a:p>
+            <a:r>
+              <a:rPr lang="en-GB" dirty="0"/>
+              <a:t>Able to submit a form using “submit()” method.</a:t>
+            </a:r>
+          </a:p>
+        </p:txBody>
+      </p:sp>
+      <p:sp>
+        <p:nvSpPr>
+          <p:cNvPr id="8" name="TextBox 7">
+            <a:extLst>
+              <a:ext uri="{FF2B5EF4-FFF2-40B4-BE49-F238E27FC236}">
+                <a16:creationId xmlns:a16="http://schemas.microsoft.com/office/drawing/2014/main" id="{83F7432E-4D44-4A23-A6AB-16933CFB07FA}"/>
+              </a:ext>
+            </a:extLst>
+          </p:cNvPr>
+          <p:cNvSpPr txBox="1"/>
+          <p:nvPr/>
+        </p:nvSpPr>
+        <p:spPr>
+          <a:xfrm>
+            <a:off x="6753139" y="4781725"/>
+            <a:ext cx="4731390" cy="646331"/>
+          </a:xfrm>
+          <a:prstGeom prst="rect">
+            <a:avLst/>
+          </a:prstGeom>
+          <a:noFill/>
+        </p:spPr>
+        <p:txBody>
+          <a:bodyPr wrap="square" rtlCol="0">
+            <a:spAutoFit/>
+          </a:bodyPr>
+          <a:lstStyle/>
+          <a:p>
+            <a:r>
+              <a:rPr lang="en-GB" dirty="0"/>
+              <a:t>Used Assertion to double check if test worked/good practise.</a:t>
+            </a:r>
+          </a:p>
+        </p:txBody>
+      </p:sp>
+    </p:spTree>
+    <p:extLst>
+      <p:ext uri="{BB962C8B-B14F-4D97-AF65-F5344CB8AC3E}">
+        <p14:creationId xmlns:p14="http://schemas.microsoft.com/office/powerpoint/2010/main" val="2010526384"/>
+      </p:ext>
+    </p:extLst>
+  </p:cSld>
+  <p:clrMapOvr>
+    <a:masterClrMapping/>
+  </p:clrMapOvr>
+</p:sld>
+</file>
+
+<file path=ppt/slides/slide11.xml><?xml version="1.0" encoding="utf-8"?>
+<p:sld xmlns:a="http://schemas.openxmlformats.org/drawingml/2006/main" xmlns:r="http://schemas.openxmlformats.org/officeDocument/2006/relationships" xmlns:p="http://schemas.openxmlformats.org/presentationml/2006/main">
+  <p:cSld>
+    <p:spTree>
+      <p:nvGrpSpPr>
+        <p:cNvPr id="1" name=""/>
+        <p:cNvGrpSpPr/>
+        <p:nvPr/>
+      </p:nvGrpSpPr>
+      <p:grpSpPr>
+        <a:xfrm>
+          <a:off x="0" y="0"/>
+          <a:ext cx="0" cy="0"/>
+          <a:chOff x="0" y="0"/>
+          <a:chExt cx="0" cy="0"/>
+        </a:xfrm>
+      </p:grpSpPr>
+      <p:sp>
+        <p:nvSpPr>
+          <p:cNvPr id="2" name="Title 1">
+            <a:extLst>
+              <a:ext uri="{FF2B5EF4-FFF2-40B4-BE49-F238E27FC236}">
                 <a16:creationId xmlns:a16="http://schemas.microsoft.com/office/drawing/2014/main" id="{1A25DCCB-3E99-4565-B61A-EB7E4DC7676B}"/>
               </a:ext>
             </a:extLst>
@@ -4044,7 +4244,7 @@
 </p:sld>
 </file>
 
-<file path=ppt/slides/slide11.xml><?xml version="1.0" encoding="utf-8"?>
+<file path=ppt/slides/slide12.xml><?xml version="1.0" encoding="utf-8"?>
 <p:sld xmlns:a="http://schemas.openxmlformats.org/drawingml/2006/main" xmlns:r="http://schemas.openxmlformats.org/officeDocument/2006/relationships" xmlns:p="http://schemas.openxmlformats.org/presentationml/2006/main">
   <p:cSld>
     <p:spTree>
@@ -4243,7 +4443,7 @@
 </p:sld>
 </file>
 
-<file path=ppt/slides/slide12.xml><?xml version="1.0" encoding="utf-8"?>
+<file path=ppt/slides/slide13.xml><?xml version="1.0" encoding="utf-8"?>
 <p:sld xmlns:a="http://schemas.openxmlformats.org/drawingml/2006/main" xmlns:r="http://schemas.openxmlformats.org/officeDocument/2006/relationships" xmlns:p="http://schemas.openxmlformats.org/presentationml/2006/main">
   <p:cSld>
     <p:spTree>
@@ -4426,7 +4626,7 @@
 </p:sld>
 </file>
 
-<file path=ppt/slides/slide13.xml><?xml version="1.0" encoding="utf-8"?>
+<file path=ppt/slides/slide14.xml><?xml version="1.0" encoding="utf-8"?>
 <p:sld xmlns:a="http://schemas.openxmlformats.org/drawingml/2006/main" xmlns:r="http://schemas.openxmlformats.org/officeDocument/2006/relationships" xmlns:p="http://schemas.openxmlformats.org/presentationml/2006/main">
   <p:cSld>
     <p:spTree>
@@ -4647,7 +4847,7 @@
 </p:sld>
 </file>
 
-<file path=ppt/slides/slide14.xml><?xml version="1.0" encoding="utf-8"?>
+<file path=ppt/slides/slide15.xml><?xml version="1.0" encoding="utf-8"?>
 <p:sld xmlns:a="http://schemas.openxmlformats.org/drawingml/2006/main" xmlns:r="http://schemas.openxmlformats.org/officeDocument/2006/relationships" xmlns:p="http://schemas.openxmlformats.org/presentationml/2006/main">
   <p:cSld>
     <p:spTree>
@@ -4792,153 +4992,6 @@
 </p:sld>
 </file>
 
-<file path=ppt/slides/slide15.xml><?xml version="1.0" encoding="utf-8"?>
-<p:sld xmlns:a="http://schemas.openxmlformats.org/drawingml/2006/main" xmlns:r="http://schemas.openxmlformats.org/officeDocument/2006/relationships" xmlns:p="http://schemas.openxmlformats.org/presentationml/2006/main">
-  <p:cSld>
-    <p:spTree>
-      <p:nvGrpSpPr>
-        <p:cNvPr id="1" name=""/>
-        <p:cNvGrpSpPr/>
-        <p:nvPr/>
-      </p:nvGrpSpPr>
-      <p:grpSpPr>
-        <a:xfrm>
-          <a:off x="0" y="0"/>
-          <a:ext cx="0" cy="0"/>
-          <a:chOff x="0" y="0"/>
-          <a:chExt cx="0" cy="0"/>
-        </a:xfrm>
-      </p:grpSpPr>
-      <p:sp>
-        <p:nvSpPr>
-          <p:cNvPr id="2" name="Title 1">
-            <a:extLst>
-              <a:ext uri="{FF2B5EF4-FFF2-40B4-BE49-F238E27FC236}">
-                <a16:creationId xmlns:a16="http://schemas.microsoft.com/office/drawing/2014/main" id="{ABA2700B-AAFC-414F-BC7A-B955A5449477}"/>
-              </a:ext>
-            </a:extLst>
-          </p:cNvPr>
-          <p:cNvSpPr>
-            <a:spLocks noGrp="1"/>
-          </p:cNvSpPr>
-          <p:nvPr>
-            <p:ph type="title"/>
-          </p:nvPr>
-        </p:nvSpPr>
-        <p:spPr/>
-        <p:txBody>
-          <a:bodyPr/>
-          <a:lstStyle/>
-          <a:p>
-            <a:r>
-              <a:rPr lang="en-GB" dirty="0"/>
-              <a:t>Sprint review</a:t>
-            </a:r>
-          </a:p>
-        </p:txBody>
-      </p:sp>
-      <p:sp>
-        <p:nvSpPr>
-          <p:cNvPr id="3" name="Content Placeholder 2">
-            <a:extLst>
-              <a:ext uri="{FF2B5EF4-FFF2-40B4-BE49-F238E27FC236}">
-                <a16:creationId xmlns:a16="http://schemas.microsoft.com/office/drawing/2014/main" id="{52F7BDE2-E56D-41F7-9238-17991B48E6E6}"/>
-              </a:ext>
-            </a:extLst>
-          </p:cNvPr>
-          <p:cNvSpPr>
-            <a:spLocks noGrp="1"/>
-          </p:cNvSpPr>
-          <p:nvPr>
-            <p:ph idx="1"/>
-          </p:nvPr>
-        </p:nvSpPr>
-        <p:spPr/>
-        <p:txBody>
-          <a:bodyPr/>
-          <a:lstStyle/>
-          <a:p>
-            <a:r>
-              <a:rPr lang="en-GB" dirty="0"/>
-              <a:t>I managed to complete the main functionality required according the deliverables:</a:t>
-            </a:r>
-          </a:p>
-          <a:p>
-            <a:pPr lvl="1"/>
-            <a:r>
-              <a:rPr lang="en-GB" dirty="0"/>
-              <a:t>CRUD functionality on the website</a:t>
-            </a:r>
-          </a:p>
-          <a:p>
-            <a:pPr lvl="1"/>
-            <a:r>
-              <a:rPr lang="en-GB" dirty="0"/>
-              <a:t>Testing &lt;80%</a:t>
-            </a:r>
-          </a:p>
-          <a:p>
-            <a:pPr lvl="1"/>
-            <a:endParaRPr lang="en-GB" dirty="0"/>
-          </a:p>
-          <a:p>
-            <a:r>
-              <a:rPr lang="en-GB" dirty="0"/>
-              <a:t>What got left behind:</a:t>
-            </a:r>
-          </a:p>
-          <a:p>
-            <a:pPr>
-              <a:buFont typeface="Arial" panose="020B0604020202020204" pitchFamily="34" charset="0"/>
-              <a:buChar char="•"/>
-            </a:pPr>
-            <a:r>
-              <a:rPr lang="en-GB" dirty="0"/>
-              <a:t>All MVP has been met, nothing was left behind.</a:t>
-            </a:r>
-          </a:p>
-          <a:p>
-            <a:pPr>
-              <a:buFont typeface="Arial" panose="020B0604020202020204" pitchFamily="34" charset="0"/>
-              <a:buChar char="•"/>
-            </a:pPr>
-            <a:r>
-              <a:rPr lang="en-GB" dirty="0"/>
-              <a:t>On front-end, About page (extra Web page) is not complete</a:t>
-            </a:r>
-          </a:p>
-          <a:p>
-            <a:pPr>
-              <a:buFont typeface="Arial" panose="020B0604020202020204" pitchFamily="34" charset="0"/>
-              <a:buChar char="•"/>
-            </a:pPr>
-            <a:r>
-              <a:rPr lang="en-GB" dirty="0"/>
-              <a:t>On front-end, Login page (extra Web page) is not fully functional</a:t>
-            </a:r>
-          </a:p>
-          <a:p>
-            <a:pPr>
-              <a:buFont typeface="Arial" panose="020B0604020202020204" pitchFamily="34" charset="0"/>
-              <a:buChar char="•"/>
-            </a:pPr>
-            <a:endParaRPr lang="en-GB" dirty="0"/>
-          </a:p>
-        </p:txBody>
-      </p:sp>
-    </p:spTree>
-    <p:extLst>
-      <p:ext uri="{BB962C8B-B14F-4D97-AF65-F5344CB8AC3E}">
-        <p14:creationId xmlns:p14="http://schemas.microsoft.com/office/powerpoint/2010/main" val="1148945254"/>
-      </p:ext>
-    </p:extLst>
-  </p:cSld>
-  <p:clrMapOvr>
-    <a:masterClrMapping/>
-  </p:clrMapOvr>
-</p:sld>
-</file>
-
 <file path=ppt/slides/slide16.xml><?xml version="1.0" encoding="utf-8"?>
 <p:sld xmlns:a="http://schemas.openxmlformats.org/drawingml/2006/main" xmlns:r="http://schemas.openxmlformats.org/officeDocument/2006/relationships" xmlns:p="http://schemas.openxmlformats.org/presentationml/2006/main">
   <p:cSld>
@@ -4961,7 +5014,7 @@
           <p:cNvPr id="2" name="Title 1">
             <a:extLst>
               <a:ext uri="{FF2B5EF4-FFF2-40B4-BE49-F238E27FC236}">
-                <a16:creationId xmlns:a16="http://schemas.microsoft.com/office/drawing/2014/main" id="{5B233E72-9E55-4534-BD6C-C7EB3C8F575F}"/>
+                <a16:creationId xmlns:a16="http://schemas.microsoft.com/office/drawing/2014/main" id="{ABA2700B-AAFC-414F-BC7A-B955A5449477}"/>
               </a:ext>
             </a:extLst>
           </p:cNvPr>
@@ -4979,7 +5032,7 @@
           <a:p>
             <a:r>
               <a:rPr lang="en-GB" dirty="0"/>
-              <a:t>Sprint retrospective</a:t>
+              <a:t>Sprint review</a:t>
             </a:r>
           </a:p>
         </p:txBody>
@@ -4989,7 +5042,7 @@
           <p:cNvPr id="3" name="Content Placeholder 2">
             <a:extLst>
               <a:ext uri="{FF2B5EF4-FFF2-40B4-BE49-F238E27FC236}">
-                <a16:creationId xmlns:a16="http://schemas.microsoft.com/office/drawing/2014/main" id="{F10653DE-457B-45A4-AF1A-2AB0F5E5F260}"/>
+                <a16:creationId xmlns:a16="http://schemas.microsoft.com/office/drawing/2014/main" id="{52F7BDE2-E56D-41F7-9238-17991B48E6E6}"/>
               </a:ext>
             </a:extLst>
           </p:cNvPr>
@@ -5004,6 +5057,45 @@
         <p:txBody>
           <a:bodyPr/>
           <a:lstStyle/>
+          <a:p>
+            <a:r>
+              <a:rPr lang="en-GB" dirty="0"/>
+              <a:t>I managed to complete the main functionality required according the deliverables:</a:t>
+            </a:r>
+          </a:p>
+          <a:p>
+            <a:pPr lvl="1"/>
+            <a:r>
+              <a:rPr lang="en-GB" dirty="0"/>
+              <a:t>CRUD functionality on the Front-end</a:t>
+            </a:r>
+          </a:p>
+          <a:p>
+            <a:pPr lvl="1"/>
+            <a:r>
+              <a:rPr lang="en-GB" dirty="0"/>
+              <a:t>CRUD functionality on the Back-end</a:t>
+            </a:r>
+          </a:p>
+          <a:p>
+            <a:pPr lvl="1"/>
+            <a:r>
+              <a:rPr lang="en-GB" dirty="0"/>
+              <a:t>Testing &lt;80%</a:t>
+            </a:r>
+          </a:p>
+          <a:p>
+            <a:pPr marL="201168" lvl="1" indent="0">
+              <a:buNone/>
+            </a:pPr>
+            <a:endParaRPr lang="en-GB" dirty="0"/>
+          </a:p>
+          <a:p>
+            <a:r>
+              <a:rPr lang="en-GB" dirty="0"/>
+              <a:t>What got left behind:</a:t>
+            </a:r>
+          </a:p>
           <a:p>
             <a:pPr>
               <a:buFont typeface="Arial" panose="020B0604020202020204" pitchFamily="34" charset="0"/>
@@ -5011,27 +5103,7 @@
             </a:pPr>
             <a:r>
               <a:rPr lang="en-GB" dirty="0"/>
-              <a:t>What went well?</a:t>
-            </a:r>
-          </a:p>
-          <a:p>
-            <a:pPr lvl="1">
-              <a:buFont typeface="Arial" panose="020B0604020202020204" pitchFamily="34" charset="0"/>
-              <a:buChar char="•"/>
-            </a:pPr>
-            <a:r>
-              <a:rPr lang="en-GB" dirty="0"/>
-              <a:t>I was able to meet all the user requirements</a:t>
-            </a:r>
-          </a:p>
-          <a:p>
-            <a:pPr lvl="1">
-              <a:buFont typeface="Arial" panose="020B0604020202020204" pitchFamily="34" charset="0"/>
-              <a:buChar char="•"/>
-            </a:pPr>
-            <a:r>
-              <a:rPr lang="en-GB" dirty="0"/>
-              <a:t>Version Control</a:t>
+              <a:t>All MVP has been met, nothing was left behind.</a:t>
             </a:r>
           </a:p>
           <a:p>
@@ -5041,31 +5113,21 @@
             </a:pPr>
             <a:r>
               <a:rPr lang="en-GB" dirty="0"/>
-              <a:t>Improvements?</a:t>
-            </a:r>
-          </a:p>
-          <a:p>
-            <a:pPr lvl="1">
+              <a:t>On front-end, About page (extra Web page) is not complete</a:t>
+            </a:r>
+          </a:p>
+          <a:p>
+            <a:pPr>
               <a:buFont typeface="Arial" panose="020B0604020202020204" pitchFamily="34" charset="0"/>
               <a:buChar char="•"/>
             </a:pPr>
             <a:r>
               <a:rPr lang="en-GB" dirty="0"/>
-              <a:t>SonarQube, fix all code smells and to be able to use unit coverage</a:t>
-            </a:r>
-          </a:p>
-          <a:p>
-            <a:pPr lvl="1">
-              <a:buFont typeface="Arial" panose="020B0604020202020204" pitchFamily="34" charset="0"/>
-              <a:buChar char="•"/>
-            </a:pPr>
-            <a:r>
-              <a:rPr lang="en-GB" dirty="0"/>
-              <a:t>Time management</a:t>
-            </a:r>
-          </a:p>
-          <a:p>
-            <a:pPr lvl="1">
+              <a:t>On front-end, Login page (extra Web page) is not fully functional</a:t>
+            </a:r>
+          </a:p>
+          <a:p>
+            <a:pPr>
               <a:buFont typeface="Arial" panose="020B0604020202020204" pitchFamily="34" charset="0"/>
               <a:buChar char="•"/>
             </a:pPr>
@@ -5076,7 +5138,7 @@
     </p:spTree>
     <p:extLst>
       <p:ext uri="{BB962C8B-B14F-4D97-AF65-F5344CB8AC3E}">
-        <p14:creationId xmlns:p14="http://schemas.microsoft.com/office/powerpoint/2010/main" val="2345640665"/>
+        <p14:creationId xmlns:p14="http://schemas.microsoft.com/office/powerpoint/2010/main" val="1148945254"/>
       </p:ext>
     </p:extLst>
   </p:cSld>
@@ -5108,6 +5170,153 @@
           <p:cNvPr id="2" name="Title 1">
             <a:extLst>
               <a:ext uri="{FF2B5EF4-FFF2-40B4-BE49-F238E27FC236}">
+                <a16:creationId xmlns:a16="http://schemas.microsoft.com/office/drawing/2014/main" id="{5B233E72-9E55-4534-BD6C-C7EB3C8F575F}"/>
+              </a:ext>
+            </a:extLst>
+          </p:cNvPr>
+          <p:cNvSpPr>
+            <a:spLocks noGrp="1"/>
+          </p:cNvSpPr>
+          <p:nvPr>
+            <p:ph type="title"/>
+          </p:nvPr>
+        </p:nvSpPr>
+        <p:spPr/>
+        <p:txBody>
+          <a:bodyPr/>
+          <a:lstStyle/>
+          <a:p>
+            <a:r>
+              <a:rPr lang="en-GB" dirty="0"/>
+              <a:t>Sprint retrospective</a:t>
+            </a:r>
+          </a:p>
+        </p:txBody>
+      </p:sp>
+      <p:sp>
+        <p:nvSpPr>
+          <p:cNvPr id="3" name="Content Placeholder 2">
+            <a:extLst>
+              <a:ext uri="{FF2B5EF4-FFF2-40B4-BE49-F238E27FC236}">
+                <a16:creationId xmlns:a16="http://schemas.microsoft.com/office/drawing/2014/main" id="{F10653DE-457B-45A4-AF1A-2AB0F5E5F260}"/>
+              </a:ext>
+            </a:extLst>
+          </p:cNvPr>
+          <p:cNvSpPr>
+            <a:spLocks noGrp="1"/>
+          </p:cNvSpPr>
+          <p:nvPr>
+            <p:ph idx="1"/>
+          </p:nvPr>
+        </p:nvSpPr>
+        <p:spPr/>
+        <p:txBody>
+          <a:bodyPr/>
+          <a:lstStyle/>
+          <a:p>
+            <a:pPr>
+              <a:buFont typeface="Arial" panose="020B0604020202020204" pitchFamily="34" charset="0"/>
+              <a:buChar char="•"/>
+            </a:pPr>
+            <a:r>
+              <a:rPr lang="en-GB" dirty="0"/>
+              <a:t>What went well?</a:t>
+            </a:r>
+          </a:p>
+          <a:p>
+            <a:pPr lvl="1">
+              <a:buFont typeface="Arial" panose="020B0604020202020204" pitchFamily="34" charset="0"/>
+              <a:buChar char="•"/>
+            </a:pPr>
+            <a:r>
+              <a:rPr lang="en-GB" dirty="0"/>
+              <a:t>I was able to meet all the user requirements</a:t>
+            </a:r>
+          </a:p>
+          <a:p>
+            <a:pPr lvl="1">
+              <a:buFont typeface="Arial" panose="020B0604020202020204" pitchFamily="34" charset="0"/>
+              <a:buChar char="•"/>
+            </a:pPr>
+            <a:r>
+              <a:rPr lang="en-GB" dirty="0"/>
+              <a:t>Version Control</a:t>
+            </a:r>
+          </a:p>
+          <a:p>
+            <a:pPr>
+              <a:buFont typeface="Arial" panose="020B0604020202020204" pitchFamily="34" charset="0"/>
+              <a:buChar char="•"/>
+            </a:pPr>
+            <a:r>
+              <a:rPr lang="en-GB" dirty="0"/>
+              <a:t>Improvements?</a:t>
+            </a:r>
+          </a:p>
+          <a:p>
+            <a:pPr lvl="1">
+              <a:buFont typeface="Arial" panose="020B0604020202020204" pitchFamily="34" charset="0"/>
+              <a:buChar char="•"/>
+            </a:pPr>
+            <a:r>
+              <a:rPr lang="en-GB" dirty="0"/>
+              <a:t>SonarQube, fix all code smells and to be able to use unit coverage</a:t>
+            </a:r>
+          </a:p>
+          <a:p>
+            <a:pPr lvl="1">
+              <a:buFont typeface="Arial" panose="020B0604020202020204" pitchFamily="34" charset="0"/>
+              <a:buChar char="•"/>
+            </a:pPr>
+            <a:r>
+              <a:rPr lang="en-GB" dirty="0"/>
+              <a:t>Time management</a:t>
+            </a:r>
+          </a:p>
+          <a:p>
+            <a:pPr lvl="1">
+              <a:buFont typeface="Arial" panose="020B0604020202020204" pitchFamily="34" charset="0"/>
+              <a:buChar char="•"/>
+            </a:pPr>
+            <a:endParaRPr lang="en-GB" dirty="0"/>
+          </a:p>
+        </p:txBody>
+      </p:sp>
+    </p:spTree>
+    <p:extLst>
+      <p:ext uri="{BB962C8B-B14F-4D97-AF65-F5344CB8AC3E}">
+        <p14:creationId xmlns:p14="http://schemas.microsoft.com/office/powerpoint/2010/main" val="2345640665"/>
+      </p:ext>
+    </p:extLst>
+  </p:cSld>
+  <p:clrMapOvr>
+    <a:masterClrMapping/>
+  </p:clrMapOvr>
+</p:sld>
+</file>
+
+<file path=ppt/slides/slide18.xml><?xml version="1.0" encoding="utf-8"?>
+<p:sld xmlns:a="http://schemas.openxmlformats.org/drawingml/2006/main" xmlns:r="http://schemas.openxmlformats.org/officeDocument/2006/relationships" xmlns:p="http://schemas.openxmlformats.org/presentationml/2006/main">
+  <p:cSld>
+    <p:spTree>
+      <p:nvGrpSpPr>
+        <p:cNvPr id="1" name=""/>
+        <p:cNvGrpSpPr/>
+        <p:nvPr/>
+      </p:nvGrpSpPr>
+      <p:grpSpPr>
+        <a:xfrm>
+          <a:off x="0" y="0"/>
+          <a:ext cx="0" cy="0"/>
+          <a:chOff x="0" y="0"/>
+          <a:chExt cx="0" cy="0"/>
+        </a:xfrm>
+      </p:grpSpPr>
+      <p:sp>
+        <p:nvSpPr>
+          <p:cNvPr id="2" name="Title 1">
+            <a:extLst>
+              <a:ext uri="{FF2B5EF4-FFF2-40B4-BE49-F238E27FC236}">
                 <a16:creationId xmlns:a16="http://schemas.microsoft.com/office/drawing/2014/main" id="{36297500-8609-4468-999A-5A7FA38B0B59}"/>
               </a:ext>
             </a:extLst>
@@ -5237,7 +5446,7 @@
 </p:sld>
 </file>
 
-<file path=ppt/slides/slide18.xml><?xml version="1.0" encoding="utf-8"?>
+<file path=ppt/slides/slide19.xml><?xml version="1.0" encoding="utf-8"?>
 <p:sld xmlns:a="http://schemas.openxmlformats.org/drawingml/2006/main" xmlns:r="http://schemas.openxmlformats.org/officeDocument/2006/relationships" xmlns:p="http://schemas.openxmlformats.org/presentationml/2006/main">
   <p:cSld>
     <p:spTree>
@@ -6265,6 +6474,443 @@
 </file>
 
 <file path=ppt/slides/slide6.xml><?xml version="1.0" encoding="utf-8"?>
+<p:sld xmlns:a="http://schemas.openxmlformats.org/drawingml/2006/main" xmlns:r="http://schemas.openxmlformats.org/officeDocument/2006/relationships" xmlns:p="http://schemas.openxmlformats.org/presentationml/2006/main">
+  <p:cSld>
+    <p:spTree>
+      <p:nvGrpSpPr>
+        <p:cNvPr id="1" name=""/>
+        <p:cNvGrpSpPr/>
+        <p:nvPr/>
+      </p:nvGrpSpPr>
+      <p:grpSpPr>
+        <a:xfrm>
+          <a:off x="0" y="0"/>
+          <a:ext cx="0" cy="0"/>
+          <a:chOff x="0" y="0"/>
+          <a:chExt cx="0" cy="0"/>
+        </a:xfrm>
+      </p:grpSpPr>
+      <p:sp>
+        <p:nvSpPr>
+          <p:cNvPr id="2" name="Title 1">
+            <a:extLst>
+              <a:ext uri="{FF2B5EF4-FFF2-40B4-BE49-F238E27FC236}">
+                <a16:creationId xmlns:a16="http://schemas.microsoft.com/office/drawing/2014/main" id="{86EE5189-ABFC-4ECA-8F2A-714C4B57D26D}"/>
+              </a:ext>
+            </a:extLst>
+          </p:cNvPr>
+          <p:cNvSpPr>
+            <a:spLocks noGrp="1"/>
+          </p:cNvSpPr>
+          <p:nvPr>
+            <p:ph type="title"/>
+          </p:nvPr>
+        </p:nvSpPr>
+        <p:spPr/>
+        <p:txBody>
+          <a:bodyPr/>
+          <a:lstStyle/>
+          <a:p>
+            <a:r>
+              <a:rPr lang="en-GB" dirty="0"/>
+              <a:t>Continuous Integration</a:t>
+            </a:r>
+          </a:p>
+        </p:txBody>
+      </p:sp>
+      <p:pic>
+        <p:nvPicPr>
+          <p:cNvPr id="4" name="Picture 3">
+            <a:extLst>
+              <a:ext uri="{FF2B5EF4-FFF2-40B4-BE49-F238E27FC236}">
+                <a16:creationId xmlns:a16="http://schemas.microsoft.com/office/drawing/2014/main" id="{17F9DA4A-AFBB-47E4-9BA8-802C0CAD0B45}"/>
+              </a:ext>
+            </a:extLst>
+          </p:cNvPr>
+          <p:cNvPicPr>
+            <a:picLocks noChangeAspect="1"/>
+          </p:cNvPicPr>
+          <p:nvPr/>
+        </p:nvPicPr>
+        <p:blipFill>
+          <a:blip r:embed="rId2">
+            <a:extLst>
+              <a:ext uri="{28A0092B-C50C-407E-A947-70E740481C1C}">
+                <a14:useLocalDpi xmlns:a14="http://schemas.microsoft.com/office/drawing/2010/main" val="0"/>
+              </a:ext>
+            </a:extLst>
+          </a:blip>
+          <a:stretch>
+            <a:fillRect/>
+          </a:stretch>
+        </p:blipFill>
+        <p:spPr>
+          <a:xfrm>
+            <a:off x="1209424" y="1846227"/>
+            <a:ext cx="3681753" cy="4419516"/>
+          </a:xfrm>
+          <a:prstGeom prst="rect">
+            <a:avLst/>
+          </a:prstGeom>
+        </p:spPr>
+      </p:pic>
+      <p:pic>
+        <p:nvPicPr>
+          <p:cNvPr id="5" name="Picture 4">
+            <a:extLst>
+              <a:ext uri="{FF2B5EF4-FFF2-40B4-BE49-F238E27FC236}">
+                <a16:creationId xmlns:a16="http://schemas.microsoft.com/office/drawing/2014/main" id="{C205F8F6-134D-433C-8575-2F326D316E70}"/>
+              </a:ext>
+            </a:extLst>
+          </p:cNvPr>
+          <p:cNvPicPr>
+            <a:picLocks noChangeAspect="1"/>
+          </p:cNvPicPr>
+          <p:nvPr/>
+        </p:nvPicPr>
+        <p:blipFill>
+          <a:blip r:embed="rId3">
+            <a:extLst>
+              <a:ext uri="{28A0092B-C50C-407E-A947-70E740481C1C}">
+                <a14:useLocalDpi xmlns:a14="http://schemas.microsoft.com/office/drawing/2010/main" val="0"/>
+              </a:ext>
+            </a:extLst>
+          </a:blip>
+          <a:stretch>
+            <a:fillRect/>
+          </a:stretch>
+        </p:blipFill>
+        <p:spPr>
+          <a:xfrm>
+            <a:off x="6719976" y="1846226"/>
+            <a:ext cx="4435703" cy="4419517"/>
+          </a:xfrm>
+          <a:prstGeom prst="rect">
+            <a:avLst/>
+          </a:prstGeom>
+        </p:spPr>
+      </p:pic>
+      <p:sp>
+        <p:nvSpPr>
+          <p:cNvPr id="6" name="Rectangle 5">
+            <a:extLst>
+              <a:ext uri="{FF2B5EF4-FFF2-40B4-BE49-F238E27FC236}">
+                <a16:creationId xmlns:a16="http://schemas.microsoft.com/office/drawing/2014/main" id="{D124A2CE-5ECA-400D-BF24-4F163C9A44EE}"/>
+              </a:ext>
+            </a:extLst>
+          </p:cNvPr>
+          <p:cNvSpPr/>
+          <p:nvPr/>
+        </p:nvSpPr>
+        <p:spPr>
+          <a:xfrm>
+            <a:off x="1587260" y="3062377"/>
+            <a:ext cx="483080" cy="163902"/>
+          </a:xfrm>
+          <a:prstGeom prst="rect">
+            <a:avLst/>
+          </a:prstGeom>
+          <a:noFill/>
+          <a:ln>
+            <a:solidFill>
+              <a:schemeClr val="accent2"/>
+            </a:solidFill>
+          </a:ln>
+        </p:spPr>
+        <p:style>
+          <a:lnRef idx="2">
+            <a:schemeClr val="accent1">
+              <a:shade val="50000"/>
+            </a:schemeClr>
+          </a:lnRef>
+          <a:fillRef idx="1">
+            <a:schemeClr val="accent1"/>
+          </a:fillRef>
+          <a:effectRef idx="0">
+            <a:schemeClr val="accent1"/>
+          </a:effectRef>
+          <a:fontRef idx="minor">
+            <a:schemeClr val="lt1"/>
+          </a:fontRef>
+        </p:style>
+        <p:txBody>
+          <a:bodyPr rtlCol="0" anchor="ctr"/>
+          <a:lstStyle/>
+          <a:p>
+            <a:pPr algn="ctr"/>
+            <a:endParaRPr lang="en-GB"/>
+          </a:p>
+        </p:txBody>
+      </p:sp>
+      <p:sp>
+        <p:nvSpPr>
+          <p:cNvPr id="7" name="Rectangle 6">
+            <a:extLst>
+              <a:ext uri="{FF2B5EF4-FFF2-40B4-BE49-F238E27FC236}">
+                <a16:creationId xmlns:a16="http://schemas.microsoft.com/office/drawing/2014/main" id="{7CA3F83E-F66F-4927-95FF-83CF587AA4C9}"/>
+              </a:ext>
+            </a:extLst>
+          </p:cNvPr>
+          <p:cNvSpPr/>
+          <p:nvPr/>
+        </p:nvSpPr>
+        <p:spPr>
+          <a:xfrm>
+            <a:off x="1429109" y="5983856"/>
+            <a:ext cx="483080" cy="163902"/>
+          </a:xfrm>
+          <a:prstGeom prst="rect">
+            <a:avLst/>
+          </a:prstGeom>
+          <a:noFill/>
+          <a:ln>
+            <a:solidFill>
+              <a:schemeClr val="accent2"/>
+            </a:solidFill>
+          </a:ln>
+        </p:spPr>
+        <p:style>
+          <a:lnRef idx="2">
+            <a:schemeClr val="accent1">
+              <a:shade val="50000"/>
+            </a:schemeClr>
+          </a:lnRef>
+          <a:fillRef idx="1">
+            <a:schemeClr val="accent1"/>
+          </a:fillRef>
+          <a:effectRef idx="0">
+            <a:schemeClr val="accent1"/>
+          </a:effectRef>
+          <a:fontRef idx="minor">
+            <a:schemeClr val="lt1"/>
+          </a:fontRef>
+        </p:style>
+        <p:txBody>
+          <a:bodyPr rtlCol="0" anchor="ctr"/>
+          <a:lstStyle/>
+          <a:p>
+            <a:pPr algn="ctr"/>
+            <a:endParaRPr lang="en-GB"/>
+          </a:p>
+        </p:txBody>
+      </p:sp>
+      <p:sp>
+        <p:nvSpPr>
+          <p:cNvPr id="8" name="Rectangle 7">
+            <a:extLst>
+              <a:ext uri="{FF2B5EF4-FFF2-40B4-BE49-F238E27FC236}">
+                <a16:creationId xmlns:a16="http://schemas.microsoft.com/office/drawing/2014/main" id="{CC9A18F3-A820-44E4-AC35-161AF4B1B4F0}"/>
+              </a:ext>
+            </a:extLst>
+          </p:cNvPr>
+          <p:cNvSpPr/>
+          <p:nvPr/>
+        </p:nvSpPr>
+        <p:spPr>
+          <a:xfrm>
+            <a:off x="1429108" y="5523780"/>
+            <a:ext cx="727495" cy="163902"/>
+          </a:xfrm>
+          <a:prstGeom prst="rect">
+            <a:avLst/>
+          </a:prstGeom>
+          <a:noFill/>
+          <a:ln>
+            <a:solidFill>
+              <a:schemeClr val="accent2"/>
+            </a:solidFill>
+          </a:ln>
+        </p:spPr>
+        <p:style>
+          <a:lnRef idx="2">
+            <a:schemeClr val="accent1">
+              <a:shade val="50000"/>
+            </a:schemeClr>
+          </a:lnRef>
+          <a:fillRef idx="1">
+            <a:schemeClr val="accent1"/>
+          </a:fillRef>
+          <a:effectRef idx="0">
+            <a:schemeClr val="accent1"/>
+          </a:effectRef>
+          <a:fontRef idx="minor">
+            <a:schemeClr val="lt1"/>
+          </a:fontRef>
+        </p:style>
+        <p:txBody>
+          <a:bodyPr rtlCol="0" anchor="ctr"/>
+          <a:lstStyle/>
+          <a:p>
+            <a:pPr algn="ctr"/>
+            <a:endParaRPr lang="en-GB"/>
+          </a:p>
+        </p:txBody>
+      </p:sp>
+      <p:sp>
+        <p:nvSpPr>
+          <p:cNvPr id="11" name="Rectangle 10">
+            <a:extLst>
+              <a:ext uri="{FF2B5EF4-FFF2-40B4-BE49-F238E27FC236}">
+                <a16:creationId xmlns:a16="http://schemas.microsoft.com/office/drawing/2014/main" id="{E61AE1AD-827A-4C8A-AC56-0D125D9F924F}"/>
+              </a:ext>
+            </a:extLst>
+          </p:cNvPr>
+          <p:cNvSpPr/>
+          <p:nvPr/>
+        </p:nvSpPr>
+        <p:spPr>
+          <a:xfrm>
+            <a:off x="1587260" y="2327691"/>
+            <a:ext cx="350806" cy="156625"/>
+          </a:xfrm>
+          <a:prstGeom prst="rect">
+            <a:avLst/>
+          </a:prstGeom>
+          <a:noFill/>
+          <a:ln>
+            <a:solidFill>
+              <a:schemeClr val="accent2"/>
+            </a:solidFill>
+          </a:ln>
+        </p:spPr>
+        <p:style>
+          <a:lnRef idx="2">
+            <a:schemeClr val="accent1">
+              <a:shade val="50000"/>
+            </a:schemeClr>
+          </a:lnRef>
+          <a:fillRef idx="1">
+            <a:schemeClr val="accent1"/>
+          </a:fillRef>
+          <a:effectRef idx="0">
+            <a:schemeClr val="accent1"/>
+          </a:effectRef>
+          <a:fontRef idx="minor">
+            <a:schemeClr val="lt1"/>
+          </a:fontRef>
+        </p:style>
+        <p:txBody>
+          <a:bodyPr rtlCol="0" anchor="ctr"/>
+          <a:lstStyle/>
+          <a:p>
+            <a:pPr algn="ctr"/>
+            <a:endParaRPr lang="en-GB"/>
+          </a:p>
+        </p:txBody>
+      </p:sp>
+      <p:sp>
+        <p:nvSpPr>
+          <p:cNvPr id="12" name="Rectangle 11">
+            <a:extLst>
+              <a:ext uri="{FF2B5EF4-FFF2-40B4-BE49-F238E27FC236}">
+                <a16:creationId xmlns:a16="http://schemas.microsoft.com/office/drawing/2014/main" id="{1EF65163-8FF6-4FC9-8882-2286AFB47F9F}"/>
+              </a:ext>
+            </a:extLst>
+          </p:cNvPr>
+          <p:cNvSpPr/>
+          <p:nvPr/>
+        </p:nvSpPr>
+        <p:spPr>
+          <a:xfrm>
+            <a:off x="1429108" y="5029200"/>
+            <a:ext cx="727495" cy="163902"/>
+          </a:xfrm>
+          <a:prstGeom prst="rect">
+            <a:avLst/>
+          </a:prstGeom>
+          <a:noFill/>
+          <a:ln>
+            <a:solidFill>
+              <a:schemeClr val="accent2"/>
+            </a:solidFill>
+          </a:ln>
+        </p:spPr>
+        <p:style>
+          <a:lnRef idx="2">
+            <a:schemeClr val="accent1">
+              <a:shade val="50000"/>
+            </a:schemeClr>
+          </a:lnRef>
+          <a:fillRef idx="1">
+            <a:schemeClr val="accent1"/>
+          </a:fillRef>
+          <a:effectRef idx="0">
+            <a:schemeClr val="accent1"/>
+          </a:effectRef>
+          <a:fontRef idx="minor">
+            <a:schemeClr val="lt1"/>
+          </a:fontRef>
+        </p:style>
+        <p:txBody>
+          <a:bodyPr rtlCol="0" anchor="ctr"/>
+          <a:lstStyle/>
+          <a:p>
+            <a:pPr algn="ctr"/>
+            <a:endParaRPr lang="en-GB"/>
+          </a:p>
+        </p:txBody>
+      </p:sp>
+      <p:sp>
+        <p:nvSpPr>
+          <p:cNvPr id="13" name="TextBox 12">
+            <a:extLst>
+              <a:ext uri="{FF2B5EF4-FFF2-40B4-BE49-F238E27FC236}">
+                <a16:creationId xmlns:a16="http://schemas.microsoft.com/office/drawing/2014/main" id="{564B1020-A86B-4622-9D59-56FD3DACCC91}"/>
+              </a:ext>
+            </a:extLst>
+          </p:cNvPr>
+          <p:cNvSpPr txBox="1"/>
+          <p:nvPr/>
+        </p:nvSpPr>
+        <p:spPr>
+          <a:xfrm>
+            <a:off x="4995258" y="3594319"/>
+            <a:ext cx="1620636" cy="923330"/>
+          </a:xfrm>
+          <a:prstGeom prst="rect">
+            <a:avLst/>
+          </a:prstGeom>
+          <a:noFill/>
+        </p:spPr>
+        <p:txBody>
+          <a:bodyPr wrap="none" rtlCol="0">
+            <a:spAutoFit/>
+          </a:bodyPr>
+          <a:lstStyle/>
+          <a:p>
+            <a:r>
+              <a:rPr lang="en-GB" dirty="0"/>
+              <a:t>Added Jira Tags</a:t>
+            </a:r>
+          </a:p>
+          <a:p>
+            <a:r>
+              <a:rPr lang="en-GB" dirty="0"/>
+              <a:t>On relevant </a:t>
+            </a:r>
+          </a:p>
+          <a:p>
+            <a:r>
+              <a:rPr lang="en-GB" dirty="0"/>
+              <a:t>commits.</a:t>
+            </a:r>
+          </a:p>
+        </p:txBody>
+      </p:sp>
+    </p:spTree>
+    <p:extLst>
+      <p:ext uri="{BB962C8B-B14F-4D97-AF65-F5344CB8AC3E}">
+        <p14:creationId xmlns:p14="http://schemas.microsoft.com/office/powerpoint/2010/main" val="3433270827"/>
+      </p:ext>
+    </p:extLst>
+  </p:cSld>
+  <p:clrMapOvr>
+    <a:masterClrMapping/>
+  </p:clrMapOvr>
+</p:sld>
+</file>
+
+<file path=ppt/slides/slide7.xml><?xml version="1.0" encoding="utf-8"?>
 <p:sld xmlns:a="http://schemas.openxmlformats.org/drawingml/2006/main" xmlns:r="http://schemas.openxmlformats.org/officeDocument/2006/relationships" xmlns:p="http://schemas.openxmlformats.org/presentationml/2006/main">
   <p:cSld>
     <p:spTree>
@@ -6421,7 +7067,7 @@
 </p:sld>
 </file>
 
-<file path=ppt/slides/slide7.xml><?xml version="1.0" encoding="utf-8"?>
+<file path=ppt/slides/slide8.xml><?xml version="1.0" encoding="utf-8"?>
 <p:sld xmlns:a="http://schemas.openxmlformats.org/drawingml/2006/main" xmlns:r="http://schemas.openxmlformats.org/officeDocument/2006/relationships" xmlns:p="http://schemas.openxmlformats.org/presentationml/2006/main">
   <p:cSld>
     <p:spTree>
@@ -6570,7 +7216,7 @@
 </p:sld>
 </file>
 
-<file path=ppt/slides/slide8.xml><?xml version="1.0" encoding="utf-8"?>
+<file path=ppt/slides/slide9.xml><?xml version="1.0" encoding="utf-8"?>
 <p:sld xmlns:a="http://schemas.openxmlformats.org/drawingml/2006/main" xmlns:r="http://schemas.openxmlformats.org/officeDocument/2006/relationships" xmlns:p="http://schemas.openxmlformats.org/presentationml/2006/main">
   <p:cSld>
     <p:spTree>
@@ -6691,204 +7337,6 @@
     <p:extLst>
       <p:ext uri="{BB962C8B-B14F-4D97-AF65-F5344CB8AC3E}">
         <p14:creationId xmlns:p14="http://schemas.microsoft.com/office/powerpoint/2010/main" val="3831278454"/>
-      </p:ext>
-    </p:extLst>
-  </p:cSld>
-  <p:clrMapOvr>
-    <a:masterClrMapping/>
-  </p:clrMapOvr>
-</p:sld>
-</file>
-
-<file path=ppt/slides/slide9.xml><?xml version="1.0" encoding="utf-8"?>
-<p:sld xmlns:a="http://schemas.openxmlformats.org/drawingml/2006/main" xmlns:r="http://schemas.openxmlformats.org/officeDocument/2006/relationships" xmlns:p="http://schemas.openxmlformats.org/presentationml/2006/main">
-  <p:cSld>
-    <p:spTree>
-      <p:nvGrpSpPr>
-        <p:cNvPr id="1" name=""/>
-        <p:cNvGrpSpPr/>
-        <p:nvPr/>
-      </p:nvGrpSpPr>
-      <p:grpSpPr>
-        <a:xfrm>
-          <a:off x="0" y="0"/>
-          <a:ext cx="0" cy="0"/>
-          <a:chOff x="0" y="0"/>
-          <a:chExt cx="0" cy="0"/>
-        </a:xfrm>
-      </p:grpSpPr>
-      <p:sp>
-        <p:nvSpPr>
-          <p:cNvPr id="2" name="Title 1">
-            <a:extLst>
-              <a:ext uri="{FF2B5EF4-FFF2-40B4-BE49-F238E27FC236}">
-                <a16:creationId xmlns:a16="http://schemas.microsoft.com/office/drawing/2014/main" id="{4F47DF7E-CB37-47E5-B683-EE5804BCFA17}"/>
-              </a:ext>
-            </a:extLst>
-          </p:cNvPr>
-          <p:cNvSpPr>
-            <a:spLocks noGrp="1"/>
-          </p:cNvSpPr>
-          <p:nvPr>
-            <p:ph type="title"/>
-          </p:nvPr>
-        </p:nvSpPr>
-        <p:spPr/>
-        <p:txBody>
-          <a:bodyPr/>
-          <a:lstStyle/>
-          <a:p>
-            <a:r>
-              <a:rPr lang="en-GB" dirty="0"/>
-              <a:t>Testing - Selenium</a:t>
-            </a:r>
-          </a:p>
-        </p:txBody>
-      </p:sp>
-      <p:pic>
-        <p:nvPicPr>
-          <p:cNvPr id="5" name="Content Placeholder 4">
-            <a:extLst>
-              <a:ext uri="{FF2B5EF4-FFF2-40B4-BE49-F238E27FC236}">
-                <a16:creationId xmlns:a16="http://schemas.microsoft.com/office/drawing/2014/main" id="{D458949F-40E6-435D-B1D7-F3116735A0A0}"/>
-              </a:ext>
-            </a:extLst>
-          </p:cNvPr>
-          <p:cNvPicPr>
-            <a:picLocks noGrp="1" noChangeAspect="1"/>
-          </p:cNvPicPr>
-          <p:nvPr>
-            <p:ph idx="1"/>
-          </p:nvPr>
-        </p:nvPicPr>
-        <p:blipFill>
-          <a:blip r:embed="rId2">
-            <a:extLst>
-              <a:ext uri="{28A0092B-C50C-407E-A947-70E740481C1C}">
-                <a14:useLocalDpi xmlns:a14="http://schemas.microsoft.com/office/drawing/2010/main" val="0"/>
-              </a:ext>
-            </a:extLst>
-          </a:blip>
-          <a:stretch>
-            <a:fillRect/>
-          </a:stretch>
-        </p:blipFill>
-        <p:spPr>
-          <a:xfrm>
-            <a:off x="1262025" y="1921764"/>
-            <a:ext cx="4325766" cy="4022725"/>
-          </a:xfrm>
-        </p:spPr>
-      </p:pic>
-      <p:sp>
-        <p:nvSpPr>
-          <p:cNvPr id="6" name="TextBox 5">
-            <a:extLst>
-              <a:ext uri="{FF2B5EF4-FFF2-40B4-BE49-F238E27FC236}">
-                <a16:creationId xmlns:a16="http://schemas.microsoft.com/office/drawing/2014/main" id="{35606E1E-8D88-4045-B54D-EB73951CFDE5}"/>
-              </a:ext>
-            </a:extLst>
-          </p:cNvPr>
-          <p:cNvSpPr txBox="1"/>
-          <p:nvPr/>
-        </p:nvSpPr>
-        <p:spPr>
-          <a:xfrm>
-            <a:off x="6753138" y="2390862"/>
-            <a:ext cx="3427541" cy="369332"/>
-          </a:xfrm>
-          <a:prstGeom prst="rect">
-            <a:avLst/>
-          </a:prstGeom>
-          <a:noFill/>
-        </p:spPr>
-        <p:txBody>
-          <a:bodyPr wrap="none" rtlCol="0">
-            <a:spAutoFit/>
-          </a:bodyPr>
-          <a:lstStyle/>
-          <a:p>
-            <a:r>
-              <a:rPr lang="en-GB" dirty="0"/>
-              <a:t>Finding the target of each element</a:t>
-            </a:r>
-          </a:p>
-        </p:txBody>
-      </p:sp>
-      <p:sp>
-        <p:nvSpPr>
-          <p:cNvPr id="7" name="TextBox 6">
-            <a:extLst>
-              <a:ext uri="{FF2B5EF4-FFF2-40B4-BE49-F238E27FC236}">
-                <a16:creationId xmlns:a16="http://schemas.microsoft.com/office/drawing/2014/main" id="{60E42188-00F0-442B-8601-3C3A65748F29}"/>
-              </a:ext>
-            </a:extLst>
-          </p:cNvPr>
-          <p:cNvSpPr txBox="1"/>
-          <p:nvPr/>
-        </p:nvSpPr>
-        <p:spPr>
-          <a:xfrm>
-            <a:off x="6753138" y="3632433"/>
-            <a:ext cx="4654608" cy="369332"/>
-          </a:xfrm>
-          <a:prstGeom prst="rect">
-            <a:avLst/>
-          </a:prstGeom>
-          <a:noFill/>
-        </p:spPr>
-        <p:txBody>
-          <a:bodyPr wrap="none" rtlCol="0">
-            <a:spAutoFit/>
-          </a:bodyPr>
-          <a:lstStyle/>
-          <a:p>
-            <a:r>
-              <a:rPr lang="en-GB" dirty="0"/>
-              <a:t>Able to submit a form using “submit()” method.</a:t>
-            </a:r>
-          </a:p>
-        </p:txBody>
-      </p:sp>
-      <p:sp>
-        <p:nvSpPr>
-          <p:cNvPr id="8" name="TextBox 7">
-            <a:extLst>
-              <a:ext uri="{FF2B5EF4-FFF2-40B4-BE49-F238E27FC236}">
-                <a16:creationId xmlns:a16="http://schemas.microsoft.com/office/drawing/2014/main" id="{83F7432E-4D44-4A23-A6AB-16933CFB07FA}"/>
-              </a:ext>
-            </a:extLst>
-          </p:cNvPr>
-          <p:cNvSpPr txBox="1"/>
-          <p:nvPr/>
-        </p:nvSpPr>
-        <p:spPr>
-          <a:xfrm>
-            <a:off x="6753139" y="4781725"/>
-            <a:ext cx="4731390" cy="646331"/>
-          </a:xfrm>
-          <a:prstGeom prst="rect">
-            <a:avLst/>
-          </a:prstGeom>
-          <a:noFill/>
-        </p:spPr>
-        <p:txBody>
-          <a:bodyPr wrap="square" rtlCol="0">
-            <a:spAutoFit/>
-          </a:bodyPr>
-          <a:lstStyle/>
-          <a:p>
-            <a:r>
-              <a:rPr lang="en-GB" dirty="0"/>
-              <a:t>Used Assertion to double check if test worked/good practise.</a:t>
-            </a:r>
-          </a:p>
-        </p:txBody>
-      </p:sp>
-    </p:spTree>
-    <p:extLst>
-      <p:ext uri="{BB962C8B-B14F-4D97-AF65-F5344CB8AC3E}">
-        <p14:creationId xmlns:p14="http://schemas.microsoft.com/office/powerpoint/2010/main" val="2010526384"/>
       </p:ext>
     </p:extLst>
   </p:cSld>

--- a/Documentation/Presentation/HobbyProject.pptx
+++ b/Documentation/Presentation/HobbyProject.pptx
@@ -383,7 +383,7 @@
           <a:p>
             <a:fld id="{17E051C0-52B0-4E3C-A780-E78E876D14C3}" type="datetimeFigureOut">
               <a:rPr lang="en-GB" smtClean="0"/>
-              <a:t>20/06/2021</a:t>
+              <a:t>21/06/2021</a:t>
             </a:fld>
             <a:endParaRPr lang="en-GB"/>
           </a:p>
@@ -591,7 +591,7 @@
           <a:p>
             <a:fld id="{17E051C0-52B0-4E3C-A780-E78E876D14C3}" type="datetimeFigureOut">
               <a:rPr lang="en-GB" smtClean="0"/>
-              <a:t>20/06/2021</a:t>
+              <a:t>21/06/2021</a:t>
             </a:fld>
             <a:endParaRPr lang="en-GB"/>
           </a:p>
@@ -847,7 +847,7 @@
           <a:p>
             <a:fld id="{17E051C0-52B0-4E3C-A780-E78E876D14C3}" type="datetimeFigureOut">
               <a:rPr lang="en-GB" smtClean="0"/>
-              <a:t>20/06/2021</a:t>
+              <a:t>21/06/2021</a:t>
             </a:fld>
             <a:endParaRPr lang="en-GB"/>
           </a:p>
@@ -1021,7 +1021,7 @@
           <a:p>
             <a:fld id="{17E051C0-52B0-4E3C-A780-E78E876D14C3}" type="datetimeFigureOut">
               <a:rPr lang="en-GB" smtClean="0"/>
-              <a:t>20/06/2021</a:t>
+              <a:t>21/06/2021</a:t>
             </a:fld>
             <a:endParaRPr lang="en-GB"/>
           </a:p>
@@ -1364,7 +1364,7 @@
           <a:p>
             <a:fld id="{17E051C0-52B0-4E3C-A780-E78E876D14C3}" type="datetimeFigureOut">
               <a:rPr lang="en-GB" smtClean="0"/>
-              <a:t>20/06/2021</a:t>
+              <a:t>21/06/2021</a:t>
             </a:fld>
             <a:endParaRPr lang="en-GB"/>
           </a:p>
@@ -1639,7 +1639,7 @@
           <a:p>
             <a:fld id="{17E051C0-52B0-4E3C-A780-E78E876D14C3}" type="datetimeFigureOut">
               <a:rPr lang="en-GB" smtClean="0"/>
-              <a:t>20/06/2021</a:t>
+              <a:t>21/06/2021</a:t>
             </a:fld>
             <a:endParaRPr lang="en-GB"/>
           </a:p>
@@ -2018,7 +2018,7 @@
           <a:p>
             <a:fld id="{17E051C0-52B0-4E3C-A780-E78E876D14C3}" type="datetimeFigureOut">
               <a:rPr lang="en-GB" smtClean="0"/>
-              <a:t>20/06/2021</a:t>
+              <a:t>21/06/2021</a:t>
             </a:fld>
             <a:endParaRPr lang="en-GB"/>
           </a:p>
@@ -2136,7 +2136,7 @@
           <a:p>
             <a:fld id="{17E051C0-52B0-4E3C-A780-E78E876D14C3}" type="datetimeFigureOut">
               <a:rPr lang="en-GB" smtClean="0"/>
-              <a:t>20/06/2021</a:t>
+              <a:t>21/06/2021</a:t>
             </a:fld>
             <a:endParaRPr lang="en-GB"/>
           </a:p>
@@ -2307,7 +2307,7 @@
           <a:p>
             <a:fld id="{17E051C0-52B0-4E3C-A780-E78E876D14C3}" type="datetimeFigureOut">
               <a:rPr lang="en-GB" smtClean="0"/>
-              <a:t>20/06/2021</a:t>
+              <a:t>21/06/2021</a:t>
             </a:fld>
             <a:endParaRPr lang="en-GB"/>
           </a:p>
@@ -2661,7 +2661,7 @@
           <a:p>
             <a:fld id="{17E051C0-52B0-4E3C-A780-E78E876D14C3}" type="datetimeFigureOut">
               <a:rPr lang="en-GB" smtClean="0"/>
-              <a:t>20/06/2021</a:t>
+              <a:t>21/06/2021</a:t>
             </a:fld>
             <a:endParaRPr lang="en-GB"/>
           </a:p>
@@ -3043,7 +3043,7 @@
           <a:p>
             <a:fld id="{17E051C0-52B0-4E3C-A780-E78E876D14C3}" type="datetimeFigureOut">
               <a:rPr lang="en-GB" smtClean="0"/>
-              <a:t>20/06/2021</a:t>
+              <a:t>21/06/2021</a:t>
             </a:fld>
             <a:endParaRPr lang="en-GB"/>
           </a:p>
@@ -3330,7 +3330,7 @@
           <a:p>
             <a:fld id="{17E051C0-52B0-4E3C-A780-E78E876D14C3}" type="datetimeFigureOut">
               <a:rPr lang="en-GB" smtClean="0"/>
-              <a:t>20/06/2021</a:t>
+              <a:t>21/06/2021</a:t>
             </a:fld>
             <a:endParaRPr lang="en-GB"/>
           </a:p>
@@ -3872,12 +3872,14 @@
         </p:nvSpPr>
         <p:spPr/>
         <p:txBody>
-          <a:bodyPr/>
-          <a:lstStyle/>
-          <a:p>
-            <a:r>
-              <a:rPr lang="en-GB" dirty="0"/>
-              <a:t>Hobby Project</a:t>
+          <a:bodyPr>
+            <a:normAutofit/>
+          </a:bodyPr>
+          <a:lstStyle/>
+          <a:p>
+            <a:r>
+              <a:rPr lang="en-GB" sz="6000" dirty="0"/>
+              <a:t>Hobby Web Application Project</a:t>
             </a:r>
           </a:p>
         </p:txBody>
@@ -5589,7 +5591,7 @@
                 <a:ea typeface="Arial" panose="020B0604020202020204" pitchFamily="34" charset="0"/>
                 <a:cs typeface="Arial" panose="020B0604020202020204" pitchFamily="34" charset="0"/>
               </a:rPr>
-              <a:t>Created an OOP-based web application, with utilization of supporting tools and methodologies, covered during training.</a:t>
+              <a:t>Created a Full stack web application, with utilization of supporting tools and methodologies, covered during training.</a:t>
             </a:r>
           </a:p>
           <a:p>
@@ -5612,6 +5614,39 @@
               <a:ea typeface="Arial" panose="020B0604020202020204" pitchFamily="34" charset="0"/>
               <a:cs typeface="Arial" panose="020B0604020202020204" pitchFamily="34" charset="0"/>
             </a:endParaRPr>
+          </a:p>
+          <a:p>
+            <a:pPr marL="342900" indent="-342900">
+              <a:spcBef>
+                <a:spcPts val="795"/>
+              </a:spcBef>
+              <a:buFont typeface="Symbol" panose="05050102010706020507" pitchFamily="18" charset="2"/>
+              <a:buChar char=""/>
+              <a:tabLst>
+                <a:tab pos="546100" algn="l"/>
+              </a:tabLst>
+            </a:pPr>
+            <a:r>
+              <a:rPr lang="en-GB" sz="1800" dirty="0">
+                <a:solidFill>
+                  <a:srgbClr val="000000"/>
+                </a:solidFill>
+                <a:ea typeface="Calibri" panose="020F0502020204030204" pitchFamily="34" charset="0"/>
+                <a:cs typeface="Segoe UI" panose="020B0502040204020203" pitchFamily="34" charset="0"/>
+              </a:rPr>
+              <a:t>Persistent layer - A</a:t>
+            </a:r>
+            <a:r>
+              <a:rPr lang="en-GB" sz="1800" dirty="0">
+                <a:solidFill>
+                  <a:srgbClr val="000000"/>
+                </a:solidFill>
+                <a:effectLst/>
+                <a:ea typeface="Calibri" panose="020F0502020204030204" pitchFamily="34" charset="0"/>
+                <a:cs typeface="Segoe UI" panose="020B0502040204020203" pitchFamily="34" charset="0"/>
+              </a:rPr>
+              <a:t> managed database hosted locally or within the Cloud Provider (e.g. MySQL in GCP)</a:t>
+            </a:r>
           </a:p>
           <a:p>
             <a:pPr marL="342900" lvl="0" indent="-342900">
@@ -5633,7 +5668,29 @@
                 <a:ea typeface="Calibri" panose="020F0502020204030204" pitchFamily="34" charset="0"/>
                 <a:cs typeface="Segoe UI" panose="020B0502040204020203" pitchFamily="34" charset="0"/>
               </a:rPr>
-              <a:t>an application back-end developed using the language from your Programming Fundamentals module (e.g. Java)</a:t>
+              <a:t>Business Layer - An application back-end developed using the language from your Programming Fundamentals module (</a:t>
+            </a:r>
+            <a:r>
+              <a:rPr lang="en-GB" sz="1800" dirty="0" err="1">
+                <a:solidFill>
+                  <a:srgbClr val="000000"/>
+                </a:solidFill>
+                <a:effectLst/>
+                <a:ea typeface="Calibri" panose="020F0502020204030204" pitchFamily="34" charset="0"/>
+                <a:cs typeface="Segoe UI" panose="020B0502040204020203" pitchFamily="34" charset="0"/>
+              </a:rPr>
+              <a:t>e.g</a:t>
+            </a:r>
+            <a:r>
+              <a:rPr lang="en-GB" sz="1800" dirty="0">
+                <a:solidFill>
+                  <a:srgbClr val="000000"/>
+                </a:solidFill>
+                <a:effectLst/>
+                <a:ea typeface="Calibri" panose="020F0502020204030204" pitchFamily="34" charset="0"/>
+                <a:cs typeface="Segoe UI" panose="020B0502040204020203" pitchFamily="34" charset="0"/>
+              </a:rPr>
+              <a:t> Spring)</a:t>
             </a:r>
           </a:p>
           <a:p>
@@ -5656,30 +5713,7 @@
                 <a:ea typeface="Calibri" panose="020F0502020204030204" pitchFamily="34" charset="0"/>
                 <a:cs typeface="Segoe UI" panose="020B0502040204020203" pitchFamily="34" charset="0"/>
               </a:rPr>
-              <a:t>a managed database hosted locally or within the Cloud Provider examined during your Cloud Fundamentals module (e.g. MySQL in GCP)</a:t>
-            </a:r>
-          </a:p>
-          <a:p>
-            <a:pPr marL="342900" lvl="0" indent="-342900">
-              <a:spcBef>
-                <a:spcPts val="795"/>
-              </a:spcBef>
-              <a:buFont typeface="Symbol" panose="05050102010706020507" pitchFamily="18" charset="2"/>
-              <a:buChar char=""/>
-              <a:tabLst>
-                <a:tab pos="546100" algn="l"/>
-              </a:tabLst>
-            </a:pPr>
-            <a:r>
-              <a:rPr lang="en-GB" sz="1800" dirty="0">
-                <a:solidFill>
-                  <a:srgbClr val="000000"/>
-                </a:solidFill>
-                <a:effectLst/>
-                <a:ea typeface="Calibri" panose="020F0502020204030204" pitchFamily="34" charset="0"/>
-                <a:cs typeface="Segoe UI" panose="020B0502040204020203" pitchFamily="34" charset="0"/>
-              </a:rPr>
-              <a:t>a front-end developed using the language from your Front-End Web Technologies module (e.g. JavaScript)</a:t>
+              <a:t>Data Layer - A front-end developed using the language from your Front-End Web Technologies module (e.g. JavaScript)</a:t>
             </a:r>
           </a:p>
           <a:p>
@@ -5860,7 +5894,7 @@
                 <a:ea typeface="+mn-ea"/>
                 <a:cs typeface="Calibri"/>
               </a:rPr>
-              <a:t>Unit and Integration Testing</a:t>
+              <a:t>Testing</a:t>
             </a:r>
           </a:p>
           <a:p>
@@ -6309,7 +6343,7 @@
             </a:pPr>
             <a:r>
               <a:rPr lang="en-GB" dirty="0"/>
-              <a:t>Testing – Junit, Mockito and Selenium. </a:t>
+              <a:t>Testing – Junit, Mockito, Selenium and SonarQube. </a:t>
             </a:r>
           </a:p>
           <a:p>
@@ -6554,42 +6588,6 @@
           </a:prstGeom>
         </p:spPr>
       </p:pic>
-      <p:pic>
-        <p:nvPicPr>
-          <p:cNvPr id="5" name="Picture 4">
-            <a:extLst>
-              <a:ext uri="{FF2B5EF4-FFF2-40B4-BE49-F238E27FC236}">
-                <a16:creationId xmlns:a16="http://schemas.microsoft.com/office/drawing/2014/main" id="{C205F8F6-134D-433C-8575-2F326D316E70}"/>
-              </a:ext>
-            </a:extLst>
-          </p:cNvPr>
-          <p:cNvPicPr>
-            <a:picLocks noChangeAspect="1"/>
-          </p:cNvPicPr>
-          <p:nvPr/>
-        </p:nvPicPr>
-        <p:blipFill>
-          <a:blip r:embed="rId3">
-            <a:extLst>
-              <a:ext uri="{28A0092B-C50C-407E-A947-70E740481C1C}">
-                <a14:useLocalDpi xmlns:a14="http://schemas.microsoft.com/office/drawing/2010/main" val="0"/>
-              </a:ext>
-            </a:extLst>
-          </a:blip>
-          <a:stretch>
-            <a:fillRect/>
-          </a:stretch>
-        </p:blipFill>
-        <p:spPr>
-          <a:xfrm>
-            <a:off x="6719976" y="1846226"/>
-            <a:ext cx="4435703" cy="4419517"/>
-          </a:xfrm>
-          <a:prstGeom prst="rect">
-            <a:avLst/>
-          </a:prstGeom>
-        </p:spPr>
-      </p:pic>
       <p:sp>
         <p:nvSpPr>
           <p:cNvPr id="6" name="Rectangle 5">
@@ -6897,6 +6895,53 @@
           </a:p>
         </p:txBody>
       </p:sp>
+      <p:pic>
+        <p:nvPicPr>
+          <p:cNvPr id="1026" name="Picture 2">
+            <a:extLst>
+              <a:ext uri="{FF2B5EF4-FFF2-40B4-BE49-F238E27FC236}">
+                <a16:creationId xmlns:a16="http://schemas.microsoft.com/office/drawing/2014/main" id="{9E44C5C3-0E76-43C5-9ABF-B7CC38E72E54}"/>
+              </a:ext>
+            </a:extLst>
+          </p:cNvPr>
+          <p:cNvPicPr>
+            <a:picLocks noChangeAspect="1" noChangeArrowheads="1"/>
+          </p:cNvPicPr>
+          <p:nvPr/>
+        </p:nvPicPr>
+        <p:blipFill>
+          <a:blip r:embed="rId3">
+            <a:extLst>
+              <a:ext uri="{28A0092B-C50C-407E-A947-70E740481C1C}">
+                <a14:useLocalDpi xmlns:a14="http://schemas.microsoft.com/office/drawing/2010/main" val="0"/>
+              </a:ext>
+            </a:extLst>
+          </a:blip>
+          <a:srcRect/>
+          <a:stretch>
+            <a:fillRect/>
+          </a:stretch>
+        </p:blipFill>
+        <p:spPr bwMode="auto">
+          <a:xfrm>
+            <a:off x="7187040" y="1923792"/>
+            <a:ext cx="3968640" cy="4223966"/>
+          </a:xfrm>
+          <a:prstGeom prst="rect">
+            <a:avLst/>
+          </a:prstGeom>
+          <a:noFill/>
+          <a:extLst>
+            <a:ext uri="{909E8E84-426E-40DD-AFC4-6F175D3DCCD1}">
+              <a14:hiddenFill xmlns:a14="http://schemas.microsoft.com/office/drawing/2010/main">
+                <a:solidFill>
+                  <a:srgbClr val="FFFFFF"/>
+                </a:solidFill>
+              </a14:hiddenFill>
+            </a:ext>
+          </a:extLst>
+        </p:spPr>
+      </p:pic>
     </p:spTree>
     <p:extLst>
       <p:ext uri="{BB962C8B-B14F-4D97-AF65-F5344CB8AC3E}">
